--- a/docs/diagrams/ArchitectureDiagram.pptx
+++ b/docs/diagrams/ArchitectureDiagram.pptx
@@ -107,6 +107,22 @@
       </a:defRPr>
     </a:lvl9pPr>
   </p:defaultTextStyle>
+  <p:extLst>
+    <p:ext uri="{EFAFB233-063F-42B5-8137-9DF3F51BA10A}">
+      <p15:sldGuideLst xmlns:p15="http://schemas.microsoft.com/office/powerpoint/2012/main">
+        <p15:guide id="1" orient="horz" pos="1488">
+          <p15:clr>
+            <a:srgbClr val="A4A3A4"/>
+          </p15:clr>
+        </p15:guide>
+        <p15:guide id="2" pos="2880">
+          <p15:clr>
+            <a:srgbClr val="A4A3A4"/>
+          </p15:clr>
+        </p15:guide>
+      </p15:sldGuideLst>
+    </p:ext>
+  </p:extLst>
 </p:presentation>
 </file>
 
@@ -192,7 +208,7 @@
           <a:p>
             <a:fld id="{F5CC4B3F-88C1-4FFA-B1B6-F41C21DC6924}" type="datetimeFigureOut">
               <a:rPr lang="en-US" smtClean="0"/>
-              <a:t>10/16/2016</a:t>
+              <a:t>4/15/2018</a:t>
             </a:fld>
             <a:endParaRPr lang="en-US"/>
           </a:p>
@@ -256,38 +272,37 @@
           <a:p>
             <a:pPr lvl="0"/>
             <a:r>
-              <a:rPr lang="en-US" smtClean="0"/>
+              <a:rPr lang="en-US"/>
               <a:t>Click to edit Master text styles</a:t>
             </a:r>
           </a:p>
           <a:p>
             <a:pPr lvl="1"/>
             <a:r>
-              <a:rPr lang="en-US" smtClean="0"/>
+              <a:rPr lang="en-US"/>
               <a:t>Second level</a:t>
             </a:r>
           </a:p>
           <a:p>
             <a:pPr lvl="2"/>
             <a:r>
-              <a:rPr lang="en-US" smtClean="0"/>
+              <a:rPr lang="en-US"/>
               <a:t>Third level</a:t>
             </a:r>
           </a:p>
           <a:p>
             <a:pPr lvl="3"/>
             <a:r>
-              <a:rPr lang="en-US" smtClean="0"/>
+              <a:rPr lang="en-US"/>
               <a:t>Fourth level</a:t>
             </a:r>
           </a:p>
           <a:p>
             <a:pPr lvl="4"/>
             <a:r>
-              <a:rPr lang="en-US" smtClean="0"/>
+              <a:rPr lang="en-US"/>
               <a:t>Fifth level</a:t>
             </a:r>
-            <a:endParaRPr lang="en-US"/>
           </a:p>
         </p:txBody>
       </p:sp>
@@ -498,10 +513,9 @@
           <a:lstStyle/>
           <a:p>
             <a:r>
-              <a:rPr lang="en-US" smtClean="0"/>
+              <a:rPr lang="en-US"/>
               <a:t>Click to edit Master title style</a:t>
             </a:r>
-            <a:endParaRPr lang="en-US"/>
           </a:p>
         </p:txBody>
       </p:sp>
@@ -617,10 +631,9 @@
           </a:lstStyle>
           <a:p>
             <a:r>
-              <a:rPr lang="en-US" smtClean="0"/>
+              <a:rPr lang="en-US"/>
               <a:t>Click to edit Master subtitle style</a:t>
             </a:r>
-            <a:endParaRPr lang="en-US"/>
           </a:p>
         </p:txBody>
       </p:sp>
@@ -641,7 +654,7 @@
           <a:p>
             <a:fld id="{78C97017-6FC3-485B-9764-EAC9E56C1D49}" type="datetimeFigureOut">
               <a:rPr lang="en-US" smtClean="0"/>
-              <a:t>10/16/2016</a:t>
+              <a:t>4/15/2018</a:t>
             </a:fld>
             <a:endParaRPr lang="en-US"/>
           </a:p>
@@ -735,10 +748,9 @@
           <a:lstStyle/>
           <a:p>
             <a:r>
-              <a:rPr lang="en-US" smtClean="0"/>
+              <a:rPr lang="en-US"/>
               <a:t>Click to edit Master title style</a:t>
             </a:r>
-            <a:endParaRPr lang="en-US"/>
           </a:p>
         </p:txBody>
       </p:sp>
@@ -759,38 +771,37 @@
           <a:p>
             <a:pPr lvl="0"/>
             <a:r>
-              <a:rPr lang="en-US" smtClean="0"/>
+              <a:rPr lang="en-US"/>
               <a:t>Click to edit Master text styles</a:t>
             </a:r>
           </a:p>
           <a:p>
             <a:pPr lvl="1"/>
             <a:r>
-              <a:rPr lang="en-US" smtClean="0"/>
+              <a:rPr lang="en-US"/>
               <a:t>Second level</a:t>
             </a:r>
           </a:p>
           <a:p>
             <a:pPr lvl="2"/>
             <a:r>
-              <a:rPr lang="en-US" smtClean="0"/>
+              <a:rPr lang="en-US"/>
               <a:t>Third level</a:t>
             </a:r>
           </a:p>
           <a:p>
             <a:pPr lvl="3"/>
             <a:r>
-              <a:rPr lang="en-US" smtClean="0"/>
+              <a:rPr lang="en-US"/>
               <a:t>Fourth level</a:t>
             </a:r>
           </a:p>
           <a:p>
             <a:pPr lvl="4"/>
             <a:r>
-              <a:rPr lang="en-US" smtClean="0"/>
+              <a:rPr lang="en-US"/>
               <a:t>Fifth level</a:t>
             </a:r>
-            <a:endParaRPr lang="en-US"/>
           </a:p>
         </p:txBody>
       </p:sp>
@@ -811,7 +822,7 @@
           <a:p>
             <a:fld id="{78C97017-6FC3-485B-9764-EAC9E56C1D49}" type="datetimeFigureOut">
               <a:rPr lang="en-US" smtClean="0"/>
-              <a:t>10/16/2016</a:t>
+              <a:t>4/15/2018</a:t>
             </a:fld>
             <a:endParaRPr lang="en-US"/>
           </a:p>
@@ -910,10 +921,9 @@
           <a:lstStyle/>
           <a:p>
             <a:r>
-              <a:rPr lang="en-US" smtClean="0"/>
+              <a:rPr lang="en-US"/>
               <a:t>Click to edit Master title style</a:t>
             </a:r>
-            <a:endParaRPr lang="en-US"/>
           </a:p>
         </p:txBody>
       </p:sp>
@@ -939,38 +949,37 @@
           <a:p>
             <a:pPr lvl="0"/>
             <a:r>
-              <a:rPr lang="en-US" smtClean="0"/>
+              <a:rPr lang="en-US"/>
               <a:t>Click to edit Master text styles</a:t>
             </a:r>
           </a:p>
           <a:p>
             <a:pPr lvl="1"/>
             <a:r>
-              <a:rPr lang="en-US" smtClean="0"/>
+              <a:rPr lang="en-US"/>
               <a:t>Second level</a:t>
             </a:r>
           </a:p>
           <a:p>
             <a:pPr lvl="2"/>
             <a:r>
-              <a:rPr lang="en-US" smtClean="0"/>
+              <a:rPr lang="en-US"/>
               <a:t>Third level</a:t>
             </a:r>
           </a:p>
           <a:p>
             <a:pPr lvl="3"/>
             <a:r>
-              <a:rPr lang="en-US" smtClean="0"/>
+              <a:rPr lang="en-US"/>
               <a:t>Fourth level</a:t>
             </a:r>
           </a:p>
           <a:p>
             <a:pPr lvl="4"/>
             <a:r>
-              <a:rPr lang="en-US" smtClean="0"/>
+              <a:rPr lang="en-US"/>
               <a:t>Fifth level</a:t>
             </a:r>
-            <a:endParaRPr lang="en-US"/>
           </a:p>
         </p:txBody>
       </p:sp>
@@ -991,7 +1000,7 @@
           <a:p>
             <a:fld id="{78C97017-6FC3-485B-9764-EAC9E56C1D49}" type="datetimeFigureOut">
               <a:rPr lang="en-US" smtClean="0"/>
-              <a:t>10/16/2016</a:t>
+              <a:t>4/15/2018</a:t>
             </a:fld>
             <a:endParaRPr lang="en-US"/>
           </a:p>
@@ -1085,10 +1094,9 @@
           <a:lstStyle/>
           <a:p>
             <a:r>
-              <a:rPr lang="en-US" smtClean="0"/>
+              <a:rPr lang="en-US"/>
               <a:t>Click to edit Master title style</a:t>
             </a:r>
-            <a:endParaRPr lang="en-US"/>
           </a:p>
         </p:txBody>
       </p:sp>
@@ -1109,38 +1117,37 @@
           <a:p>
             <a:pPr lvl="0"/>
             <a:r>
-              <a:rPr lang="en-US" smtClean="0"/>
+              <a:rPr lang="en-US"/>
               <a:t>Click to edit Master text styles</a:t>
             </a:r>
           </a:p>
           <a:p>
             <a:pPr lvl="1"/>
             <a:r>
-              <a:rPr lang="en-US" smtClean="0"/>
+              <a:rPr lang="en-US"/>
               <a:t>Second level</a:t>
             </a:r>
           </a:p>
           <a:p>
             <a:pPr lvl="2"/>
             <a:r>
-              <a:rPr lang="en-US" smtClean="0"/>
+              <a:rPr lang="en-US"/>
               <a:t>Third level</a:t>
             </a:r>
           </a:p>
           <a:p>
             <a:pPr lvl="3"/>
             <a:r>
-              <a:rPr lang="en-US" smtClean="0"/>
+              <a:rPr lang="en-US"/>
               <a:t>Fourth level</a:t>
             </a:r>
           </a:p>
           <a:p>
             <a:pPr lvl="4"/>
             <a:r>
-              <a:rPr lang="en-US" smtClean="0"/>
+              <a:rPr lang="en-US"/>
               <a:t>Fifth level</a:t>
             </a:r>
-            <a:endParaRPr lang="en-US"/>
           </a:p>
         </p:txBody>
       </p:sp>
@@ -1161,7 +1168,7 @@
           <a:p>
             <a:fld id="{78C97017-6FC3-485B-9764-EAC9E56C1D49}" type="datetimeFigureOut">
               <a:rPr lang="en-US" smtClean="0"/>
-              <a:t>10/16/2016</a:t>
+              <a:t>4/15/2018</a:t>
             </a:fld>
             <a:endParaRPr lang="en-US"/>
           </a:p>
@@ -1264,10 +1271,9 @@
           </a:lstStyle>
           <a:p>
             <a:r>
-              <a:rPr lang="en-US" smtClean="0"/>
+              <a:rPr lang="en-US"/>
               <a:t>Click to edit Master title style</a:t>
             </a:r>
-            <a:endParaRPr lang="en-US"/>
           </a:p>
         </p:txBody>
       </p:sp>
@@ -1384,7 +1390,7 @@
           <a:p>
             <a:pPr lvl="0"/>
             <a:r>
-              <a:rPr lang="en-US" smtClean="0"/>
+              <a:rPr lang="en-US"/>
               <a:t>Click to edit Master text styles</a:t>
             </a:r>
           </a:p>
@@ -1407,7 +1413,7 @@
           <a:p>
             <a:fld id="{78C97017-6FC3-485B-9764-EAC9E56C1D49}" type="datetimeFigureOut">
               <a:rPr lang="en-US" smtClean="0"/>
-              <a:t>10/16/2016</a:t>
+              <a:t>4/15/2018</a:t>
             </a:fld>
             <a:endParaRPr lang="en-US"/>
           </a:p>
@@ -1501,10 +1507,9 @@
           <a:lstStyle/>
           <a:p>
             <a:r>
-              <a:rPr lang="en-US" smtClean="0"/>
+              <a:rPr lang="en-US"/>
               <a:t>Click to edit Master title style</a:t>
             </a:r>
-            <a:endParaRPr lang="en-US"/>
           </a:p>
         </p:txBody>
       </p:sp>
@@ -1558,38 +1563,37 @@
           <a:p>
             <a:pPr lvl="0"/>
             <a:r>
-              <a:rPr lang="en-US" smtClean="0"/>
+              <a:rPr lang="en-US"/>
               <a:t>Click to edit Master text styles</a:t>
             </a:r>
           </a:p>
           <a:p>
             <a:pPr lvl="1"/>
             <a:r>
-              <a:rPr lang="en-US" smtClean="0"/>
+              <a:rPr lang="en-US"/>
               <a:t>Second level</a:t>
             </a:r>
           </a:p>
           <a:p>
             <a:pPr lvl="2"/>
             <a:r>
-              <a:rPr lang="en-US" smtClean="0"/>
+              <a:rPr lang="en-US"/>
               <a:t>Third level</a:t>
             </a:r>
           </a:p>
           <a:p>
             <a:pPr lvl="3"/>
             <a:r>
-              <a:rPr lang="en-US" smtClean="0"/>
+              <a:rPr lang="en-US"/>
               <a:t>Fourth level</a:t>
             </a:r>
           </a:p>
           <a:p>
             <a:pPr lvl="4"/>
             <a:r>
-              <a:rPr lang="en-US" smtClean="0"/>
+              <a:rPr lang="en-US"/>
               <a:t>Fifth level</a:t>
             </a:r>
-            <a:endParaRPr lang="en-US"/>
           </a:p>
         </p:txBody>
       </p:sp>
@@ -1643,38 +1647,37 @@
           <a:p>
             <a:pPr lvl="0"/>
             <a:r>
-              <a:rPr lang="en-US" smtClean="0"/>
+              <a:rPr lang="en-US"/>
               <a:t>Click to edit Master text styles</a:t>
             </a:r>
           </a:p>
           <a:p>
             <a:pPr lvl="1"/>
             <a:r>
-              <a:rPr lang="en-US" smtClean="0"/>
+              <a:rPr lang="en-US"/>
               <a:t>Second level</a:t>
             </a:r>
           </a:p>
           <a:p>
             <a:pPr lvl="2"/>
             <a:r>
-              <a:rPr lang="en-US" smtClean="0"/>
+              <a:rPr lang="en-US"/>
               <a:t>Third level</a:t>
             </a:r>
           </a:p>
           <a:p>
             <a:pPr lvl="3"/>
             <a:r>
-              <a:rPr lang="en-US" smtClean="0"/>
+              <a:rPr lang="en-US"/>
               <a:t>Fourth level</a:t>
             </a:r>
           </a:p>
           <a:p>
             <a:pPr lvl="4"/>
             <a:r>
-              <a:rPr lang="en-US" smtClean="0"/>
+              <a:rPr lang="en-US"/>
               <a:t>Fifth level</a:t>
             </a:r>
-            <a:endParaRPr lang="en-US"/>
           </a:p>
         </p:txBody>
       </p:sp>
@@ -1695,7 +1698,7 @@
           <a:p>
             <a:fld id="{78C97017-6FC3-485B-9764-EAC9E56C1D49}" type="datetimeFigureOut">
               <a:rPr lang="en-US" smtClean="0"/>
-              <a:t>10/16/2016</a:t>
+              <a:t>4/15/2018</a:t>
             </a:fld>
             <a:endParaRPr lang="en-US"/>
           </a:p>
@@ -1793,10 +1796,9 @@
           </a:lstStyle>
           <a:p>
             <a:r>
-              <a:rPr lang="en-US" smtClean="0"/>
+              <a:rPr lang="en-US"/>
               <a:t>Click to edit Master title style</a:t>
             </a:r>
-            <a:endParaRPr lang="en-US"/>
           </a:p>
         </p:txBody>
       </p:sp>
@@ -1859,7 +1861,7 @@
           <a:p>
             <a:pPr lvl="0"/>
             <a:r>
-              <a:rPr lang="en-US" smtClean="0"/>
+              <a:rPr lang="en-US"/>
               <a:t>Click to edit Master text styles</a:t>
             </a:r>
           </a:p>
@@ -1915,38 +1917,37 @@
           <a:p>
             <a:pPr lvl="0"/>
             <a:r>
-              <a:rPr lang="en-US" smtClean="0"/>
+              <a:rPr lang="en-US"/>
               <a:t>Click to edit Master text styles</a:t>
             </a:r>
           </a:p>
           <a:p>
             <a:pPr lvl="1"/>
             <a:r>
-              <a:rPr lang="en-US" smtClean="0"/>
+              <a:rPr lang="en-US"/>
               <a:t>Second level</a:t>
             </a:r>
           </a:p>
           <a:p>
             <a:pPr lvl="2"/>
             <a:r>
-              <a:rPr lang="en-US" smtClean="0"/>
+              <a:rPr lang="en-US"/>
               <a:t>Third level</a:t>
             </a:r>
           </a:p>
           <a:p>
             <a:pPr lvl="3"/>
             <a:r>
-              <a:rPr lang="en-US" smtClean="0"/>
+              <a:rPr lang="en-US"/>
               <a:t>Fourth level</a:t>
             </a:r>
           </a:p>
           <a:p>
             <a:pPr lvl="4"/>
             <a:r>
-              <a:rPr lang="en-US" smtClean="0"/>
+              <a:rPr lang="en-US"/>
               <a:t>Fifth level</a:t>
             </a:r>
-            <a:endParaRPr lang="en-US"/>
           </a:p>
         </p:txBody>
       </p:sp>
@@ -2009,7 +2010,7 @@
           <a:p>
             <a:pPr lvl="0"/>
             <a:r>
-              <a:rPr lang="en-US" smtClean="0"/>
+              <a:rPr lang="en-US"/>
               <a:t>Click to edit Master text styles</a:t>
             </a:r>
           </a:p>
@@ -2065,38 +2066,37 @@
           <a:p>
             <a:pPr lvl="0"/>
             <a:r>
-              <a:rPr lang="en-US" smtClean="0"/>
+              <a:rPr lang="en-US"/>
               <a:t>Click to edit Master text styles</a:t>
             </a:r>
           </a:p>
           <a:p>
             <a:pPr lvl="1"/>
             <a:r>
-              <a:rPr lang="en-US" smtClean="0"/>
+              <a:rPr lang="en-US"/>
               <a:t>Second level</a:t>
             </a:r>
           </a:p>
           <a:p>
             <a:pPr lvl="2"/>
             <a:r>
-              <a:rPr lang="en-US" smtClean="0"/>
+              <a:rPr lang="en-US"/>
               <a:t>Third level</a:t>
             </a:r>
           </a:p>
           <a:p>
             <a:pPr lvl="3"/>
             <a:r>
-              <a:rPr lang="en-US" smtClean="0"/>
+              <a:rPr lang="en-US"/>
               <a:t>Fourth level</a:t>
             </a:r>
           </a:p>
           <a:p>
             <a:pPr lvl="4"/>
             <a:r>
-              <a:rPr lang="en-US" smtClean="0"/>
+              <a:rPr lang="en-US"/>
               <a:t>Fifth level</a:t>
             </a:r>
-            <a:endParaRPr lang="en-US"/>
           </a:p>
         </p:txBody>
       </p:sp>
@@ -2117,7 +2117,7 @@
           <a:p>
             <a:fld id="{78C97017-6FC3-485B-9764-EAC9E56C1D49}" type="datetimeFigureOut">
               <a:rPr lang="en-US" smtClean="0"/>
-              <a:t>10/16/2016</a:t>
+              <a:t>4/15/2018</a:t>
             </a:fld>
             <a:endParaRPr lang="en-US"/>
           </a:p>
@@ -2211,10 +2211,9 @@
           <a:lstStyle/>
           <a:p>
             <a:r>
-              <a:rPr lang="en-US" smtClean="0"/>
+              <a:rPr lang="en-US"/>
               <a:t>Click to edit Master title style</a:t>
             </a:r>
-            <a:endParaRPr lang="en-US"/>
           </a:p>
         </p:txBody>
       </p:sp>
@@ -2235,7 +2234,7 @@
           <a:p>
             <a:fld id="{78C97017-6FC3-485B-9764-EAC9E56C1D49}" type="datetimeFigureOut">
               <a:rPr lang="en-US" smtClean="0"/>
-              <a:t>10/16/2016</a:t>
+              <a:t>4/15/2018</a:t>
             </a:fld>
             <a:endParaRPr lang="en-US"/>
           </a:p>
@@ -2330,7 +2329,7 @@
           <a:p>
             <a:fld id="{78C97017-6FC3-485B-9764-EAC9E56C1D49}" type="datetimeFigureOut">
               <a:rPr lang="en-US" smtClean="0"/>
-              <a:t>10/16/2016</a:t>
+              <a:t>4/15/2018</a:t>
             </a:fld>
             <a:endParaRPr lang="en-US"/>
           </a:p>
@@ -2433,10 +2432,9 @@
           </a:lstStyle>
           <a:p>
             <a:r>
-              <a:rPr lang="en-US" smtClean="0"/>
+              <a:rPr lang="en-US"/>
               <a:t>Click to edit Master title style</a:t>
             </a:r>
-            <a:endParaRPr lang="en-US"/>
           </a:p>
         </p:txBody>
       </p:sp>
@@ -2490,38 +2488,37 @@
           <a:p>
             <a:pPr lvl="0"/>
             <a:r>
-              <a:rPr lang="en-US" smtClean="0"/>
+              <a:rPr lang="en-US"/>
               <a:t>Click to edit Master text styles</a:t>
             </a:r>
           </a:p>
           <a:p>
             <a:pPr lvl="1"/>
             <a:r>
-              <a:rPr lang="en-US" smtClean="0"/>
+              <a:rPr lang="en-US"/>
               <a:t>Second level</a:t>
             </a:r>
           </a:p>
           <a:p>
             <a:pPr lvl="2"/>
             <a:r>
-              <a:rPr lang="en-US" smtClean="0"/>
+              <a:rPr lang="en-US"/>
               <a:t>Third level</a:t>
             </a:r>
           </a:p>
           <a:p>
             <a:pPr lvl="3"/>
             <a:r>
-              <a:rPr lang="en-US" smtClean="0"/>
+              <a:rPr lang="en-US"/>
               <a:t>Fourth level</a:t>
             </a:r>
           </a:p>
           <a:p>
             <a:pPr lvl="4"/>
             <a:r>
-              <a:rPr lang="en-US" smtClean="0"/>
+              <a:rPr lang="en-US"/>
               <a:t>Fifth level</a:t>
             </a:r>
-            <a:endParaRPr lang="en-US"/>
           </a:p>
         </p:txBody>
       </p:sp>
@@ -2584,7 +2581,7 @@
           <a:p>
             <a:pPr lvl="0"/>
             <a:r>
-              <a:rPr lang="en-US" smtClean="0"/>
+              <a:rPr lang="en-US"/>
               <a:t>Click to edit Master text styles</a:t>
             </a:r>
           </a:p>
@@ -2607,7 +2604,7 @@
           <a:p>
             <a:fld id="{78C97017-6FC3-485B-9764-EAC9E56C1D49}" type="datetimeFigureOut">
               <a:rPr lang="en-US" smtClean="0"/>
-              <a:t>10/16/2016</a:t>
+              <a:t>4/15/2018</a:t>
             </a:fld>
             <a:endParaRPr lang="en-US"/>
           </a:p>
@@ -2710,10 +2707,9 @@
           </a:lstStyle>
           <a:p>
             <a:r>
-              <a:rPr lang="en-US" smtClean="0"/>
+              <a:rPr lang="en-US"/>
               <a:t>Click to edit Master title style</a:t>
             </a:r>
-            <a:endParaRPr lang="en-US"/>
           </a:p>
         </p:txBody>
       </p:sp>
@@ -2837,7 +2833,7 @@
           <a:p>
             <a:pPr lvl="0"/>
             <a:r>
-              <a:rPr lang="en-US" smtClean="0"/>
+              <a:rPr lang="en-US"/>
               <a:t>Click to edit Master text styles</a:t>
             </a:r>
           </a:p>
@@ -2860,7 +2856,7 @@
           <a:p>
             <a:fld id="{78C97017-6FC3-485B-9764-EAC9E56C1D49}" type="datetimeFigureOut">
               <a:rPr lang="en-US" smtClean="0"/>
-              <a:t>10/16/2016</a:t>
+              <a:t>4/15/2018</a:t>
             </a:fld>
             <a:endParaRPr lang="en-US"/>
           </a:p>
@@ -2969,10 +2965,9 @@
           <a:lstStyle/>
           <a:p>
             <a:r>
-              <a:rPr lang="en-US" smtClean="0"/>
+              <a:rPr lang="en-US"/>
               <a:t>Click to edit Master title style</a:t>
             </a:r>
-            <a:endParaRPr lang="en-US"/>
           </a:p>
         </p:txBody>
       </p:sp>
@@ -3003,38 +2998,37 @@
           <a:p>
             <a:pPr lvl="0"/>
             <a:r>
-              <a:rPr lang="en-US" smtClean="0"/>
+              <a:rPr lang="en-US"/>
               <a:t>Click to edit Master text styles</a:t>
             </a:r>
           </a:p>
           <a:p>
             <a:pPr lvl="1"/>
             <a:r>
-              <a:rPr lang="en-US" smtClean="0"/>
+              <a:rPr lang="en-US"/>
               <a:t>Second level</a:t>
             </a:r>
           </a:p>
           <a:p>
             <a:pPr lvl="2"/>
             <a:r>
-              <a:rPr lang="en-US" smtClean="0"/>
+              <a:rPr lang="en-US"/>
               <a:t>Third level</a:t>
             </a:r>
           </a:p>
           <a:p>
             <a:pPr lvl="3"/>
             <a:r>
-              <a:rPr lang="en-US" smtClean="0"/>
+              <a:rPr lang="en-US"/>
               <a:t>Fourth level</a:t>
             </a:r>
           </a:p>
           <a:p>
             <a:pPr lvl="4"/>
             <a:r>
-              <a:rPr lang="en-US" smtClean="0"/>
+              <a:rPr lang="en-US"/>
               <a:t>Fifth level</a:t>
             </a:r>
-            <a:endParaRPr lang="en-US"/>
           </a:p>
         </p:txBody>
       </p:sp>
@@ -3073,7 +3067,7 @@
           <a:p>
             <a:fld id="{78C97017-6FC3-485B-9764-EAC9E56C1D49}" type="datetimeFigureOut">
               <a:rPr lang="en-US" smtClean="0"/>
-              <a:t>10/16/2016</a:t>
+              <a:t>4/15/2018</a:t>
             </a:fld>
             <a:endParaRPr lang="en-US"/>
           </a:p>
@@ -3456,8 +3450,8 @@
         </p:nvSpPr>
         <p:spPr>
           <a:xfrm>
-            <a:off x="1636188" y="2057400"/>
-            <a:ext cx="5700181" cy="2667000"/>
+            <a:off x="1643480" y="2057399"/>
+            <a:ext cx="5864332" cy="3124187"/>
           </a:xfrm>
           <a:prstGeom prst="roundRect">
             <a:avLst>
@@ -3546,7 +3540,7 @@
           <a:p>
             <a:pPr algn="ctr"/>
             <a:r>
-              <a:rPr lang="en-US" sz="1600" dirty="0" smtClean="0">
+              <a:rPr lang="en-US" sz="1600" dirty="0">
                 <a:solidFill>
                   <a:schemeClr val="bg1"/>
                 </a:solidFill>
@@ -3605,7 +3599,7 @@
           <a:p>
             <a:pPr algn="ctr"/>
             <a:r>
-              <a:rPr lang="en-US" sz="1600" dirty="0" smtClean="0">
+              <a:rPr lang="en-US" sz="1600" dirty="0">
                 <a:solidFill>
                   <a:schemeClr val="bg1"/>
                 </a:solidFill>
@@ -3668,7 +3662,7 @@
           <a:p>
             <a:pPr algn="ctr"/>
             <a:r>
-              <a:rPr lang="en-US" sz="1600" dirty="0" smtClean="0">
+              <a:rPr lang="en-US" sz="1600" dirty="0">
                 <a:solidFill>
                   <a:schemeClr val="bg1"/>
                 </a:solidFill>
@@ -3691,7 +3685,7 @@
         </p:nvSpPr>
         <p:spPr>
           <a:xfrm>
-            <a:off x="3412069" y="3124200"/>
+            <a:off x="3426723" y="3124200"/>
             <a:ext cx="1295400" cy="723791"/>
           </a:xfrm>
           <a:prstGeom prst="roundRect">
@@ -3727,7 +3721,7 @@
           <a:p>
             <a:pPr algn="ctr"/>
             <a:r>
-              <a:rPr lang="en-US" sz="1600" dirty="0" smtClean="0">
+              <a:rPr lang="en-US" sz="1600" dirty="0">
                 <a:solidFill>
                   <a:schemeClr val="bg1"/>
                 </a:solidFill>
@@ -3750,7 +3744,7 @@
         </p:nvSpPr>
         <p:spPr>
           <a:xfrm>
-            <a:off x="3217846" y="4131994"/>
+            <a:off x="3291120" y="4603713"/>
             <a:ext cx="2658531" cy="444640"/>
           </a:xfrm>
           <a:prstGeom prst="roundRect">
@@ -3891,7 +3885,7 @@
         <p:spPr>
           <a:xfrm>
             <a:off x="4059769" y="2743200"/>
-            <a:ext cx="0" cy="381000"/>
+            <a:ext cx="14654" cy="381000"/>
           </a:xfrm>
           <a:prstGeom prst="straightConnector1">
             <a:avLst/>
@@ -3962,7 +3956,7 @@
         </p:nvSpPr>
         <p:spPr>
           <a:xfrm>
-            <a:off x="1202269" y="2743200"/>
+            <a:off x="1203211" y="2590800"/>
             <a:ext cx="381000" cy="381000"/>
           </a:xfrm>
           <a:prstGeom prst="smileyFace">
@@ -4010,7 +4004,7 @@
         </p:nvCxnSpPr>
         <p:spPr>
           <a:xfrm flipV="1">
-            <a:off x="1636188" y="2939996"/>
+            <a:off x="1608795" y="2743200"/>
             <a:ext cx="273050" cy="1"/>
           </a:xfrm>
           <a:prstGeom prst="straightConnector1">
@@ -4176,101 +4170,6 @@
       </p:sp>
       <p:sp>
         <p:nvSpPr>
-          <p:cNvPr id="51" name="Cloud 50"/>
-          <p:cNvSpPr/>
-          <p:nvPr/>
-        </p:nvSpPr>
-        <p:spPr>
-          <a:xfrm>
-            <a:off x="2650069" y="1447800"/>
-            <a:ext cx="914400" cy="533400"/>
-          </a:xfrm>
-          <a:prstGeom prst="cloud">
-            <a:avLst/>
-          </a:prstGeom>
-          <a:solidFill>
-            <a:schemeClr val="bg1"/>
-          </a:solidFill>
-          <a:ln>
-            <a:solidFill>
-              <a:schemeClr val="tx1"/>
-            </a:solidFill>
-          </a:ln>
-        </p:spPr>
-        <p:style>
-          <a:lnRef idx="2">
-            <a:schemeClr val="accent1">
-              <a:shade val="50000"/>
-            </a:schemeClr>
-          </a:lnRef>
-          <a:fillRef idx="1">
-            <a:schemeClr val="accent1"/>
-          </a:fillRef>
-          <a:effectRef idx="0">
-            <a:schemeClr val="accent1"/>
-          </a:effectRef>
-          <a:fontRef idx="minor">
-            <a:schemeClr val="lt1"/>
-          </a:fontRef>
-        </p:style>
-        <p:txBody>
-          <a:bodyPr rtlCol="0" anchor="ctr"/>
-          <a:lstStyle/>
-          <a:p>
-            <a:pPr algn="ctr"/>
-            <a:r>
-              <a:rPr lang="en-US" sz="1400" dirty="0">
-                <a:solidFill>
-                  <a:schemeClr val="tx1"/>
-                </a:solidFill>
-              </a:rPr>
-              <a:t>Web</a:t>
-            </a:r>
-          </a:p>
-        </p:txBody>
-      </p:sp>
-      <p:cxnSp>
-        <p:nvCxnSpPr>
-          <p:cNvPr id="52" name="Elbow Connector 51"/>
-          <p:cNvCxnSpPr>
-            <a:stCxn id="2" idx="0"/>
-            <a:endCxn id="51" idx="2"/>
-          </p:cNvCxnSpPr>
-          <p:nvPr/>
-        </p:nvCxnSpPr>
-        <p:spPr>
-          <a:xfrm rot="5400000" flipH="1" flipV="1">
-            <a:off x="2222648" y="1760922"/>
-            <a:ext cx="476678" cy="383835"/>
-          </a:xfrm>
-          <a:prstGeom prst="bentConnector2">
-            <a:avLst/>
-          </a:prstGeom>
-          <a:ln w="28575">
-            <a:solidFill>
-              <a:srgbClr val="00B050"/>
-            </a:solidFill>
-            <a:prstDash val="sysDot"/>
-            <a:tailEnd type="arrow"/>
-          </a:ln>
-        </p:spPr>
-        <p:style>
-          <a:lnRef idx="1">
-            <a:schemeClr val="accent1"/>
-          </a:lnRef>
-          <a:fillRef idx="0">
-            <a:schemeClr val="accent1"/>
-          </a:fillRef>
-          <a:effectRef idx="0">
-            <a:schemeClr val="accent1"/>
-          </a:effectRef>
-          <a:fontRef idx="minor">
-            <a:schemeClr val="tx1"/>
-          </a:fontRef>
-        </p:style>
-      </p:cxnSp>
-      <p:sp>
-        <p:nvSpPr>
           <p:cNvPr id="23" name="Rectangle 62"/>
           <p:cNvSpPr/>
           <p:nvPr/>
@@ -4313,7 +4212,7 @@
           <a:p>
             <a:pPr algn="ctr"/>
             <a:r>
-              <a:rPr lang="en-US" sz="1600" dirty="0" smtClean="0">
+              <a:rPr lang="en-US" sz="1600" dirty="0">
                 <a:solidFill>
                   <a:schemeClr val="bg1"/>
                 </a:solidFill>
@@ -4336,7 +4235,7 @@
         </p:nvCxnSpPr>
         <p:spPr>
           <a:xfrm>
-            <a:off x="4945047" y="3750994"/>
+            <a:off x="4722123" y="4149367"/>
             <a:ext cx="0" cy="381000"/>
           </a:xfrm>
           <a:prstGeom prst="straightConnector1">
@@ -4375,7 +4274,7 @@
         </p:nvCxnSpPr>
         <p:spPr>
           <a:xfrm>
-            <a:off x="5097447" y="3761908"/>
+            <a:off x="4874523" y="4160281"/>
             <a:ext cx="0" cy="381000"/>
           </a:xfrm>
           <a:prstGeom prst="straightConnector1">
@@ -4414,7 +4313,7 @@
         </p:nvCxnSpPr>
         <p:spPr>
           <a:xfrm>
-            <a:off x="5249847" y="3750994"/>
+            <a:off x="5026923" y="4149367"/>
             <a:ext cx="0" cy="381000"/>
           </a:xfrm>
           <a:prstGeom prst="straightConnector1">
@@ -4566,7 +4465,7 @@
         </p:nvSpPr>
         <p:spPr>
           <a:xfrm>
-            <a:off x="4936069" y="2909316"/>
+            <a:off x="4933793" y="3658327"/>
             <a:ext cx="1219201" cy="533400"/>
           </a:xfrm>
           <a:prstGeom prst="ellipse">
@@ -4624,7 +4523,7 @@
         </p:nvSpPr>
         <p:spPr>
           <a:xfrm>
-            <a:off x="5888569" y="3515641"/>
+            <a:off x="5961843" y="3987360"/>
             <a:ext cx="1219201" cy="533400"/>
           </a:xfrm>
           <a:prstGeom prst="ellipse">
@@ -4664,7 +4563,7 @@
           <a:p>
             <a:pPr algn="ctr"/>
             <a:r>
-              <a:rPr lang="en-US" sz="1600" dirty="0" smtClean="0">
+              <a:rPr lang="en-US" sz="1600" dirty="0">
                 <a:solidFill>
                   <a:schemeClr val="bg1"/>
                 </a:solidFill>
@@ -4672,25 +4571,20 @@
               <a:t>Logs</a:t>
             </a:r>
             <a:br>
-              <a:rPr lang="en-US" sz="1600" dirty="0" smtClean="0">
+              <a:rPr lang="en-US" sz="1600" dirty="0">
                 <a:solidFill>
                   <a:schemeClr val="bg1"/>
                 </a:solidFill>
               </a:rPr>
             </a:br>
             <a:r>
-              <a:rPr lang="en-US" sz="1600" dirty="0" smtClean="0">
+              <a:rPr lang="en-US" sz="1600" dirty="0">
                 <a:solidFill>
                   <a:schemeClr val="bg1"/>
                 </a:solidFill>
               </a:rPr>
               <a:t>Center</a:t>
             </a:r>
-            <a:endParaRPr lang="en-US" sz="1600" dirty="0">
-              <a:solidFill>
-                <a:schemeClr val="bg1"/>
-              </a:solidFill>
-            </a:endParaRPr>
           </a:p>
         </p:txBody>
       </p:sp>
@@ -4705,7 +4599,7 @@
         </p:nvCxnSpPr>
         <p:spPr>
           <a:xfrm rot="5400000">
-            <a:off x="6034638" y="3890781"/>
+            <a:off x="6107912" y="4362500"/>
             <a:ext cx="305273" cy="621793"/>
           </a:xfrm>
           <a:prstGeom prst="bentConnector2">
@@ -4744,7 +4638,7 @@
         </p:nvCxnSpPr>
         <p:spPr>
           <a:xfrm rot="5400000">
-            <a:off x="5195574" y="3792812"/>
+            <a:off x="5193298" y="4541823"/>
             <a:ext cx="700192" cy="1"/>
           </a:xfrm>
           <a:prstGeom prst="bentConnector3">
@@ -4773,6 +4667,200 @@
           </a:fontRef>
         </p:style>
       </p:cxnSp>
+      <p:cxnSp>
+        <p:nvCxnSpPr>
+          <p:cNvPr id="41" name="Straight Arrow Connector 40">
+            <a:extLst>
+              <a:ext uri="{FF2B5EF4-FFF2-40B4-BE49-F238E27FC236}">
+                <a16:creationId xmlns:a16="http://schemas.microsoft.com/office/drawing/2014/main" id="{B0502BE9-59F3-4A9C-B7CB-ED89EF691266}"/>
+              </a:ext>
+            </a:extLst>
+          </p:cNvPr>
+          <p:cNvCxnSpPr/>
+          <p:nvPr/>
+        </p:nvCxnSpPr>
+        <p:spPr>
+          <a:xfrm>
+            <a:off x="4707469" y="3429000"/>
+            <a:ext cx="457200" cy="0"/>
+          </a:xfrm>
+          <a:prstGeom prst="straightConnector1">
+            <a:avLst/>
+          </a:prstGeom>
+          <a:ln w="28575">
+            <a:tailEnd type="arrow"/>
+          </a:ln>
+        </p:spPr>
+        <p:style>
+          <a:lnRef idx="1">
+            <a:schemeClr val="accent4"/>
+          </a:lnRef>
+          <a:fillRef idx="0">
+            <a:schemeClr val="accent4"/>
+          </a:fillRef>
+          <a:effectRef idx="0">
+            <a:schemeClr val="accent4"/>
+          </a:effectRef>
+          <a:fontRef idx="minor">
+            <a:schemeClr val="tx1"/>
+          </a:fontRef>
+        </p:style>
+      </p:cxnSp>
+      <p:sp>
+        <p:nvSpPr>
+          <p:cNvPr id="42" name="Rectangle 45">
+            <a:extLst>
+              <a:ext uri="{FF2B5EF4-FFF2-40B4-BE49-F238E27FC236}">
+                <a16:creationId xmlns:a16="http://schemas.microsoft.com/office/drawing/2014/main" id="{E0AFAE00-C2CC-4961-9032-741B4316269A}"/>
+              </a:ext>
+            </a:extLst>
+          </p:cNvPr>
+          <p:cNvSpPr/>
+          <p:nvPr/>
+        </p:nvSpPr>
+        <p:spPr>
+          <a:xfrm>
+            <a:off x="5164669" y="3056305"/>
+            <a:ext cx="1447800" cy="552022"/>
+          </a:xfrm>
+          <a:prstGeom prst="roundRect">
+            <a:avLst/>
+          </a:prstGeom>
+          <a:solidFill>
+            <a:srgbClr val="FFC000"/>
+          </a:solidFill>
+          <a:ln w="19050">
+            <a:solidFill>
+              <a:srgbClr val="FFC000"/>
+            </a:solidFill>
+          </a:ln>
+          <a:effectLst/>
+        </p:spPr>
+        <p:style>
+          <a:lnRef idx="1">
+            <a:schemeClr val="accent5"/>
+          </a:lnRef>
+          <a:fillRef idx="2">
+            <a:schemeClr val="accent5"/>
+          </a:fillRef>
+          <a:effectRef idx="1">
+            <a:schemeClr val="accent5"/>
+          </a:effectRef>
+          <a:fontRef idx="minor">
+            <a:schemeClr val="dk1"/>
+          </a:fontRef>
+        </p:style>
+        <p:txBody>
+          <a:bodyPr rtlCol="0" anchor="ctr"/>
+          <a:lstStyle/>
+          <a:p>
+            <a:pPr algn="ctr"/>
+            <a:r>
+              <a:rPr lang="en-US" sz="1600" dirty="0">
+                <a:solidFill>
+                  <a:schemeClr val="bg1"/>
+                </a:solidFill>
+              </a:rPr>
+              <a:t>Email</a:t>
+            </a:r>
+            <a:endParaRPr lang="en-SG" sz="1600" dirty="0">
+              <a:solidFill>
+                <a:schemeClr val="bg1"/>
+              </a:solidFill>
+            </a:endParaRPr>
+          </a:p>
+        </p:txBody>
+      </p:sp>
+      <p:cxnSp>
+        <p:nvCxnSpPr>
+          <p:cNvPr id="43" name="Straight Arrow Connector 42">
+            <a:extLst>
+              <a:ext uri="{FF2B5EF4-FFF2-40B4-BE49-F238E27FC236}">
+                <a16:creationId xmlns:a16="http://schemas.microsoft.com/office/drawing/2014/main" id="{96E38E11-C8DD-4418-BA9E-8F9361E686F2}"/>
+              </a:ext>
+            </a:extLst>
+          </p:cNvPr>
+          <p:cNvCxnSpPr/>
+          <p:nvPr/>
+        </p:nvCxnSpPr>
+        <p:spPr>
+          <a:xfrm flipV="1">
+            <a:off x="6680199" y="3326533"/>
+            <a:ext cx="939801" cy="1"/>
+          </a:xfrm>
+          <a:prstGeom prst="straightConnector1">
+            <a:avLst/>
+          </a:prstGeom>
+          <a:ln w="28575">
+            <a:solidFill>
+              <a:srgbClr val="FFC000"/>
+            </a:solidFill>
+            <a:prstDash val="sysDot"/>
+            <a:tailEnd type="arrow"/>
+          </a:ln>
+        </p:spPr>
+        <p:style>
+          <a:lnRef idx="1">
+            <a:schemeClr val="accent1"/>
+          </a:lnRef>
+          <a:fillRef idx="0">
+            <a:schemeClr val="accent1"/>
+          </a:fillRef>
+          <a:effectRef idx="0">
+            <a:schemeClr val="accent1"/>
+          </a:effectRef>
+          <a:fontRef idx="minor">
+            <a:schemeClr val="tx1"/>
+          </a:fontRef>
+        </p:style>
+      </p:cxnSp>
+      <p:pic>
+        <p:nvPicPr>
+          <p:cNvPr id="1026" name="Picture 2" descr="Image result for email shape">
+            <a:extLst>
+              <a:ext uri="{FF2B5EF4-FFF2-40B4-BE49-F238E27FC236}">
+                <a16:creationId xmlns:a16="http://schemas.microsoft.com/office/drawing/2014/main" id="{ED5F6236-FFA2-402D-855D-66E13BF947E8}"/>
+              </a:ext>
+            </a:extLst>
+          </p:cNvPr>
+          <p:cNvPicPr>
+            <a:picLocks noChangeAspect="1" noChangeArrowheads="1"/>
+          </p:cNvPicPr>
+          <p:nvPr/>
+        </p:nvPicPr>
+        <p:blipFill>
+          <a:blip r:embed="rId2" cstate="print">
+            <a:extLst>
+              <a:ext uri="{28A0092B-C50C-407E-A947-70E740481C1C}">
+                <a14:useLocalDpi xmlns:a14="http://schemas.microsoft.com/office/drawing/2010/main" val="0"/>
+              </a:ext>
+            </a:extLst>
+          </a:blip>
+          <a:srcRect/>
+          <a:stretch>
+            <a:fillRect/>
+          </a:stretch>
+        </p:blipFill>
+        <p:spPr bwMode="auto">
+          <a:xfrm>
+            <a:off x="7660216" y="3056305"/>
+            <a:ext cx="552021" cy="552021"/>
+          </a:xfrm>
+          <a:prstGeom prst="rect">
+            <a:avLst/>
+          </a:prstGeom>
+          <a:noFill/>
+          <a:extLst>
+            <a:ext uri="{909E8E84-426E-40DD-AFC4-6F175D3DCCD1}">
+              <a14:hiddenFill xmlns:a14="http://schemas.microsoft.com/office/drawing/2010/main">
+                <a:solidFill>
+                  <a:srgbClr val="FFFFFF"/>
+                </a:solidFill>
+              </a14:hiddenFill>
+            </a:ext>
+          </a:extLst>
+        </p:spPr>
+      </p:pic>
     </p:spTree>
     <p:extLst>
       <p:ext uri="{BB962C8B-B14F-4D97-AF65-F5344CB8AC3E}">
